--- a/fmt-talk.pptx
+++ b/fmt-talk.pptx
@@ -13,13 +13,16 @@
     <p:sldId id="260" r:id="rId7"/>
     <p:sldId id="261" r:id="rId8"/>
     <p:sldId id="264" r:id="rId9"/>
-    <p:sldId id="270" r:id="rId10"/>
-    <p:sldId id="265" r:id="rId11"/>
-    <p:sldId id="271" r:id="rId12"/>
-    <p:sldId id="266" r:id="rId13"/>
-    <p:sldId id="267" r:id="rId14"/>
-    <p:sldId id="268" r:id="rId15"/>
-    <p:sldId id="269" r:id="rId16"/>
+    <p:sldId id="271" r:id="rId10"/>
+    <p:sldId id="266" r:id="rId11"/>
+    <p:sldId id="267" r:id="rId12"/>
+    <p:sldId id="270" r:id="rId13"/>
+    <p:sldId id="265" r:id="rId14"/>
+    <p:sldId id="274" r:id="rId15"/>
+    <p:sldId id="272" r:id="rId16"/>
+    <p:sldId id="273" r:id="rId17"/>
+    <p:sldId id="268" r:id="rId18"/>
+    <p:sldId id="269" r:id="rId19"/>
   </p:sldIdLst>
   <p:sldSz cx="12192000" cy="6858000"/>
   <p:notesSz cx="6858000" cy="9144000"/>
@@ -119,6 +122,146 @@
     </a:lvl9pPr>
   </p:defaultTextStyle>
 </p:presentation>
+</file>
+
+<file path=ppt/ink/ink1.xml><?xml version="1.0" encoding="utf-8"?>
+<inkml:ink xmlns:inkml="http://www.w3.org/2003/InkML">
+  <inkml:definitions>
+    <inkml:context xml:id="ctx0">
+      <inkml:inkSource xml:id="inkSrc0">
+        <inkml:traceFormat>
+          <inkml:channel name="X" type="integer" min="-2.14748E9" max="2.14748E9" units="cm"/>
+          <inkml:channel name="Y" type="integer" min="-2.14748E9" max="2.14748E9" units="cm"/>
+        </inkml:traceFormat>
+        <inkml:channelProperties>
+          <inkml:channelProperty channel="X" name="resolution" value="1000" units="1/cm"/>
+          <inkml:channelProperty channel="Y" name="resolution" value="1000" units="1/cm"/>
+        </inkml:channelProperties>
+      </inkml:inkSource>
+      <inkml:timestamp xml:id="ts0" timeString="2019-10-09T06:19:38.625"/>
+    </inkml:context>
+    <inkml:brush xml:id="br0">
+      <inkml:brushProperty name="width" value="0.3" units="cm"/>
+      <inkml:brushProperty name="height" value="0.6" units="cm"/>
+      <inkml:brushProperty name="color" value="#A2D762"/>
+      <inkml:brushProperty name="tip" value="rectangle"/>
+      <inkml:brushProperty name="rasterOp" value="maskPen"/>
+    </inkml:brush>
+  </inkml:definitions>
+  <inkml:trace contextRef="#ctx0" brushRef="#br0">1 15,'60'0,"10"0,-26 0,6 0,-10 0,-1 5,-10-4,10 5,-18-2,5-3,-11 4,4-5,-5 0,1 0,8 0,-12 0,7 0,0 0,-7 0,11 0,-8 0,1 0,6 0,-10 0,10 0,-2 0,-4 0,8 0,-13 0,9 0,0 0,-2 0,1 0,0 0,-7 0,16 0,-11 0,8 0,-4 0,0 0,1 0,-1 0,0 0,0 0,-5 0,4 0,-5 0,6 0,0 0,0 0,0 0,6 0,1 0,0 0,5 0,-5 0,6 0,-5 0,-2 0,-6 0,0 0,0 0,-5 0,4 0,-4 0,5 0,0 0,6 0,-4 0,10 0,-5 0,0 0,5 0,-11 0,5 0,0 0,-4 0,4 0,-6 0,6 0,-5 0,5 0,0 0,-5 0,11 0,-5 0,1 0,3 0,-3 0,-1 0,-1 0,-6 0,0 0,0 0,-5 0,4 0,-3 0,4 0,0 0,0 0,6 0,-5 0,5 0,0 0,-5 0,5 0,-6 0,6 0,-4 0,4 0,0 0,1 0,6 0,7 0,-5 0,11 0,-11 0,11 0,-11 0,5 0,-7 0,6 0,-4-5,5 3,0-3,1 5,1 0,-3 0,-6 0,0 0,-5 0,12 0,-16 0,17 0,-7 0,0 0,6 0,-7 0,7 0,-5 0,4 0,-11 0,3 0,-9 0,4 0,-6 0,0 0,0 0,0 0,0 0,6 0,2 0,-1 0,5 0,-5 0,0 0,-1 0,-6 0,0 0,0 0,1 0,-1 0,-5 0,4 0,-4 0,5 0,6 0,1 0,1 0,18 0,-15 0,17 0,-15 0,-6 0,5 0,-5 0,0 0,12 0,-10 0,17 0,-5 0,8 0,-1 0,-7 0,-1 0,-7 0,0 0,-6 0,5 0,-11 0,5 0,0 0,-4 0,9 0,-3 0,4 0,8 0,-5 0,11 0,-4 0,6 0,21 0,-22 0,21 0,-33 0,11 0,-11 0,4 0,-5 0,-1 0,-6 0,5 0,-11 0,5 0,0 0,-5 5,11-4,-5 3,13-4,-5 0,11 0,11 0,-4 0,26 0,-19 0,22 0,-15 0,7 0,-17 0,-1 0,-8 0,-7 0,6 0,-13 0,13 0,-6 0,15 0,-6 0,30 0,-9 0,6 0,-14 0,0 0,17 0,-19 0,0 0,12 0,-8 0,-7 0,5 0,-13 0,5 0,1 0,10 0,9 0,9 0,0 0,-9 0,7 0,-7 0,9 7,-8 0,-3 0,-15 5,-2-11,-15 4,5-5,-11 0,5 0,0 0,-6 0,13 0,-12 0,11 0,-12 0,6 0,-7 0,-6 0,-1 0,-2 0,-7 0,6 0,-13 0,13 0,-7 0,14 0,-3 0,13 0,-5 0,11 6,-11 0,5 5,-13-5,-1 4,-11-9,4 8,-9-8,8 3,-3-4,5 0,0 0,0 0,6 0,-5 0,5 0,0 0,-5 0,5 0,-6 0,0 0,-4 0,2 0,2 0,-4 0,13 0,-13 0,16-5,-5-1,6 0,0-4,7 9,-6-9,0 4,-2 0,-5 2,1 4,3 0,-9 0,4 0,-11 0,4 0,-4 0,5 0,0 0,0 0,6 0,1 0,1 0,3 0,-3 0,-1 0,-1 0,-6 0,0 0,0 0,0 0,0 0,0 0,0-5,0 0,6-6,-4 1,4 4,-6-3,6 7,-5-7,11 8,-5-3,6-1,0 3,-6-2,-1 4,-10 0,2 0,-18 36,8-27,-15 28</inkml:trace>
+</inkml:ink>
+</file>
+
+<file path=ppt/ink/ink2.xml><?xml version="1.0" encoding="utf-8"?>
+<inkml:ink xmlns:inkml="http://www.w3.org/2003/InkML">
+  <inkml:definitions>
+    <inkml:context xml:id="ctx0">
+      <inkml:inkSource xml:id="inkSrc0">
+        <inkml:traceFormat>
+          <inkml:channel name="X" type="integer" min="-2.14748E9" max="2.14748E9" units="cm"/>
+          <inkml:channel name="Y" type="integer" min="-2.14748E9" max="2.14748E9" units="cm"/>
+        </inkml:traceFormat>
+        <inkml:channelProperties>
+          <inkml:channelProperty channel="X" name="resolution" value="1000" units="1/cm"/>
+          <inkml:channelProperty channel="Y" name="resolution" value="1000" units="1/cm"/>
+        </inkml:channelProperties>
+      </inkml:inkSource>
+      <inkml:timestamp xml:id="ts0" timeString="2019-10-09T06:14:21.509"/>
+    </inkml:context>
+    <inkml:brush xml:id="br0">
+      <inkml:brushProperty name="width" value="0.3" units="cm"/>
+      <inkml:brushProperty name="height" value="0.6" units="cm"/>
+      <inkml:brushProperty name="color" value="#A2D762"/>
+      <inkml:brushProperty name="tip" value="rectangle"/>
+      <inkml:brushProperty name="rasterOp" value="maskPen"/>
+    </inkml:brush>
+  </inkml:definitions>
+  <inkml:trace contextRef="#ctx0" brushRef="#br0">0 1,'70'0,"23"0,-45 0,33 0,-15 0,1 0,15 0,-23 0,5 0,-8 0,-13 0,5 0,-9 0,3 0,-1 0,-1 0,0 0,1 0,1 0,-3 0,-6 0,-5 0,-3 0,-4 0,4 0,-3 0,4 0,0 0,1 0,0 0,5 5,-11-4,11 4,-10-1,3-3,1 4,-4-1,4-3,-6 4,-5-1,4-3,-4 3,5 0,0-3,0 4,-4-5,2 0,-4 0,4 0,0 0,-4 0,3 0,-1 0,4 4,0-3,0 4,0-5,0 0,0 0,0 0,-5 0,10 0,-8 0,14 0,-9 0,10 0,-11 0,5 0,-11 0,4 0,-5 4,1-3,2 3,-2-4,10 0,2 0,6 5,0-4,-5 4,-2-1,-6-2,-5 2,3-4,-4 0</inkml:trace>
+</inkml:ink>
+</file>
+
+<file path=ppt/ink/ink3.xml><?xml version="1.0" encoding="utf-8"?>
+<inkml:ink xmlns:inkml="http://www.w3.org/2003/InkML">
+  <inkml:definitions>
+    <inkml:context xml:id="ctx0">
+      <inkml:inkSource xml:id="inkSrc0">
+        <inkml:traceFormat>
+          <inkml:channel name="X" type="integer" min="-2.14748E9" max="2.14748E9" units="cm"/>
+          <inkml:channel name="Y" type="integer" min="-2.14748E9" max="2.14748E9" units="cm"/>
+        </inkml:traceFormat>
+        <inkml:channelProperties>
+          <inkml:channelProperty channel="X" name="resolution" value="1000" units="1/cm"/>
+          <inkml:channelProperty channel="Y" name="resolution" value="1000" units="1/cm"/>
+        </inkml:channelProperties>
+      </inkml:inkSource>
+      <inkml:timestamp xml:id="ts0" timeString="2019-10-09T06:14:23.915"/>
+    </inkml:context>
+    <inkml:brush xml:id="br0">
+      <inkml:brushProperty name="width" value="0.3" units="cm"/>
+      <inkml:brushProperty name="height" value="0.6" units="cm"/>
+      <inkml:brushProperty name="color" value="#A2D762"/>
+      <inkml:brushProperty name="tip" value="rectangle"/>
+      <inkml:brushProperty name="rasterOp" value="maskPen"/>
+    </inkml:brush>
+  </inkml:definitions>
+  <inkml:trace contextRef="#ctx0" brushRef="#br0">0 1,'69'0,"7"0,-25 0,6 0,7 0,-7 0,8 0,0 0,0 0,0 0,-8 0,-8 0,-3 0,-11 0,5 0,-1 0,-4 0,11 0,-5 0,1 0,-3 0,-6 0,0 0,-10 0,2 0,-15 0,8 0,1 0,1 0,4 0,-4 0,1 0,-6 0,4 0,-5 0,1 0,6 0,-10 0,9 0,-6 0,0 0,8 0,-12 0,7 8,-4 1,0 9</inkml:trace>
+</inkml:ink>
+</file>
+
+<file path=ppt/ink/ink4.xml><?xml version="1.0" encoding="utf-8"?>
+<inkml:ink xmlns:inkml="http://www.w3.org/2003/InkML">
+  <inkml:definitions>
+    <inkml:context xml:id="ctx0">
+      <inkml:inkSource xml:id="inkSrc0">
+        <inkml:traceFormat>
+          <inkml:channel name="X" type="integer" min="-2.14748E9" max="2.14748E9" units="cm"/>
+          <inkml:channel name="Y" type="integer" min="-2.14748E9" max="2.14748E9" units="cm"/>
+        </inkml:traceFormat>
+        <inkml:channelProperties>
+          <inkml:channelProperty channel="X" name="resolution" value="1000" units="1/cm"/>
+          <inkml:channelProperty channel="Y" name="resolution" value="1000" units="1/cm"/>
+        </inkml:channelProperties>
+      </inkml:inkSource>
+      <inkml:timestamp xml:id="ts0" timeString="2019-10-09T06:14:33.323"/>
+    </inkml:context>
+    <inkml:brush xml:id="br0">
+      <inkml:brushProperty name="width" value="0.3" units="cm"/>
+      <inkml:brushProperty name="height" value="0.6" units="cm"/>
+      <inkml:brushProperty name="color" value="#A2D762"/>
+      <inkml:brushProperty name="tip" value="rectangle"/>
+      <inkml:brushProperty name="rasterOp" value="maskPen"/>
+    </inkml:brush>
+  </inkml:definitions>
+  <inkml:trace contextRef="#ctx0" brushRef="#br0">0 1,'59'0,"-1"0,15 0,2 0,3 0,3 0,14 0,6 0,-20 0,5 0,-2 0,-6 0,-2 0,3 0,10 0,2 0,-2 0,-12 0,-1 0,-5 0,13 0,-1 0,10 0,-6 0,-35 0,0 0,35 0,1 0,-34 0,-3 0,11 0,-3 0,7 0,-10 0,-15 0,-1 0,-13 0,-6 0,-7 0,-1 4,1 1,4 4</inkml:trace>
+</inkml:ink>
+</file>
+
+<file path=ppt/ink/ink5.xml><?xml version="1.0" encoding="utf-8"?>
+<inkml:ink xmlns:inkml="http://www.w3.org/2003/InkML">
+  <inkml:definitions>
+    <inkml:context xml:id="ctx0">
+      <inkml:inkSource xml:id="inkSrc0">
+        <inkml:traceFormat>
+          <inkml:channel name="X" type="integer" min="-2.14748E9" max="2.14748E9" units="cm"/>
+          <inkml:channel name="Y" type="integer" min="-2.14748E9" max="2.14748E9" units="cm"/>
+        </inkml:traceFormat>
+        <inkml:channelProperties>
+          <inkml:channelProperty channel="X" name="resolution" value="1000" units="1/cm"/>
+          <inkml:channelProperty channel="Y" name="resolution" value="1000" units="1/cm"/>
+        </inkml:channelProperties>
+      </inkml:inkSource>
+      <inkml:timestamp xml:id="ts0" timeString="2019-10-09T06:14:38.464"/>
+    </inkml:context>
+    <inkml:brush xml:id="br0">
+      <inkml:brushProperty name="width" value="0.3" units="cm"/>
+      <inkml:brushProperty name="height" value="0.6" units="cm"/>
+      <inkml:brushProperty name="color" value="#A2D762"/>
+      <inkml:brushProperty name="tip" value="rectangle"/>
+      <inkml:brushProperty name="rasterOp" value="maskPen"/>
+    </inkml:brush>
+  </inkml:definitions>
+  <inkml:trace contextRef="#ctx0" brushRef="#br0">0 2,'79'0,"15"0,-42 0,4 0,14 0,3 0,9 0,4 0,8 0,4 0,-25 0,2 0,0 0,-3 0,0 0,-1 0,4-1,-1 1,1 1,-1 1,0 2,-4-2,18-1,-2 1,-17 5,0 3,-4-3,-1-5,-3 0,13 9,-2 1,26-3,-40-2,-1 1,22 0,2-1,-37-7,3 0,-20 0,-1 0,-11 0,-1 0,-5 0</inkml:trace>
+</inkml:ink>
 </file>
 
 <file path=ppt/slideLayouts/slideLayout1.xml><?xml version="1.0" encoding="utf-8"?>
@@ -3494,184 +3637,10 @@
       </p:grpSpPr>
       <p:pic>
         <p:nvPicPr>
-          <p:cNvPr id="13" name="Picture 12">
-            <a:extLst>
-              <a:ext uri="{FF2B5EF4-FFF2-40B4-BE49-F238E27FC236}">
-                <a16:creationId xmlns:a16="http://schemas.microsoft.com/office/drawing/2014/main" id="{665F10BE-9113-D945-8AA9-1241C0C9E765}"/>
-              </a:ext>
-            </a:extLst>
-          </p:cNvPr>
-          <p:cNvPicPr>
-            <a:picLocks noChangeAspect="1"/>
-          </p:cNvPicPr>
-          <p:nvPr/>
-        </p:nvPicPr>
-        <p:blipFill>
-          <a:blip r:embed="rId2"/>
-          <a:stretch>
-            <a:fillRect/>
-          </a:stretch>
-        </p:blipFill>
-        <p:spPr>
-          <a:xfrm>
-            <a:off x="1238250" y="0"/>
-            <a:ext cx="9715500" cy="5283200"/>
-          </a:xfrm>
-          <a:prstGeom prst="rect">
-            <a:avLst/>
-          </a:prstGeom>
-        </p:spPr>
-      </p:pic>
-      <p:pic>
-        <p:nvPicPr>
-          <p:cNvPr id="15" name="Picture 14">
-            <a:extLst>
-              <a:ext uri="{FF2B5EF4-FFF2-40B4-BE49-F238E27FC236}">
-                <a16:creationId xmlns:a16="http://schemas.microsoft.com/office/drawing/2014/main" id="{0965C38A-CC20-6D46-8F2C-A5C3FF349852}"/>
-              </a:ext>
-            </a:extLst>
-          </p:cNvPr>
-          <p:cNvPicPr>
-            <a:picLocks noChangeAspect="1"/>
-          </p:cNvPicPr>
-          <p:nvPr/>
-        </p:nvPicPr>
-        <p:blipFill>
-          <a:blip r:embed="rId3"/>
-          <a:stretch>
-            <a:fillRect/>
-          </a:stretch>
-        </p:blipFill>
-        <p:spPr>
-          <a:xfrm>
-            <a:off x="0" y="5283200"/>
-            <a:ext cx="12192000" cy="1539030"/>
-          </a:xfrm>
-          <a:prstGeom prst="rect">
-            <a:avLst/>
-          </a:prstGeom>
-        </p:spPr>
-      </p:pic>
-    </p:spTree>
-    <p:extLst>
-      <p:ext uri="{BB962C8B-B14F-4D97-AF65-F5344CB8AC3E}">
-        <p14:creationId xmlns:p14="http://schemas.microsoft.com/office/powerpoint/2010/main" val="2697697172"/>
-      </p:ext>
-    </p:extLst>
-  </p:cSld>
-  <p:clrMapOvr>
-    <a:masterClrMapping/>
-  </p:clrMapOvr>
-</p:sld>
-</file>
-
-<file path=ppt/slides/slide11.xml><?xml version="1.0" encoding="utf-8"?>
-<p:sld xmlns:a="http://schemas.openxmlformats.org/drawingml/2006/main" xmlns:r="http://schemas.openxmlformats.org/officeDocument/2006/relationships" xmlns:p="http://schemas.openxmlformats.org/presentationml/2006/main">
-  <p:cSld>
-    <p:spTree>
-      <p:nvGrpSpPr>
-        <p:cNvPr id="1" name=""/>
-        <p:cNvGrpSpPr/>
-        <p:nvPr/>
-      </p:nvGrpSpPr>
-      <p:grpSpPr>
-        <a:xfrm>
-          <a:off x="0" y="0"/>
-          <a:ext cx="0" cy="0"/>
-          <a:chOff x="0" y="0"/>
-          <a:chExt cx="0" cy="0"/>
-        </a:xfrm>
-      </p:grpSpPr>
-      <p:sp>
-        <p:nvSpPr>
-          <p:cNvPr id="2" name="Title 1">
-            <a:extLst>
-              <a:ext uri="{FF2B5EF4-FFF2-40B4-BE49-F238E27FC236}">
-                <a16:creationId xmlns:a16="http://schemas.microsoft.com/office/drawing/2014/main" id="{7E8394EB-D7F1-1D4B-8EC5-5F139554FAED}"/>
-              </a:ext>
-            </a:extLst>
-          </p:cNvPr>
-          <p:cNvSpPr>
-            <a:spLocks noGrp="1"/>
-          </p:cNvSpPr>
-          <p:nvPr>
-            <p:ph type="ctrTitle"/>
-          </p:nvPr>
-        </p:nvSpPr>
-        <p:spPr/>
-        <p:txBody>
-          <a:bodyPr/>
-          <a:lstStyle/>
-          <a:p>
-            <a:r>
-              <a:rPr lang="nb-NO" dirty="0" err="1"/>
-              <a:t>Numbers</a:t>
-            </a:r>
-            <a:endParaRPr lang="nb-NO" dirty="0"/>
-          </a:p>
-        </p:txBody>
-      </p:sp>
-      <p:sp>
-        <p:nvSpPr>
-          <p:cNvPr id="3" name="Subtitle 2">
-            <a:extLst>
-              <a:ext uri="{FF2B5EF4-FFF2-40B4-BE49-F238E27FC236}">
-                <a16:creationId xmlns:a16="http://schemas.microsoft.com/office/drawing/2014/main" id="{6202D036-97B9-BE42-BAF3-ADE188E0C5B8}"/>
-              </a:ext>
-            </a:extLst>
-          </p:cNvPr>
-          <p:cNvSpPr>
-            <a:spLocks noGrp="1"/>
-          </p:cNvSpPr>
-          <p:nvPr>
-            <p:ph type="subTitle" idx="1"/>
-          </p:nvPr>
-        </p:nvSpPr>
-        <p:spPr/>
-        <p:txBody>
-          <a:bodyPr/>
-          <a:lstStyle/>
-          <a:p>
-            <a:endParaRPr lang="nb-NO"/>
-          </a:p>
-        </p:txBody>
-      </p:sp>
-    </p:spTree>
-    <p:extLst>
-      <p:ext uri="{BB962C8B-B14F-4D97-AF65-F5344CB8AC3E}">
-        <p14:creationId xmlns:p14="http://schemas.microsoft.com/office/powerpoint/2010/main" val="1767563936"/>
-      </p:ext>
-    </p:extLst>
-  </p:cSld>
-  <p:clrMapOvr>
-    <a:masterClrMapping/>
-  </p:clrMapOvr>
-</p:sld>
-</file>
-
-<file path=ppt/slides/slide12.xml><?xml version="1.0" encoding="utf-8"?>
-<p:sld xmlns:a="http://schemas.openxmlformats.org/drawingml/2006/main" xmlns:r="http://schemas.openxmlformats.org/officeDocument/2006/relationships" xmlns:p="http://schemas.openxmlformats.org/presentationml/2006/main">
-  <p:cSld>
-    <p:spTree>
-      <p:nvGrpSpPr>
-        <p:cNvPr id="1" name=""/>
-        <p:cNvGrpSpPr/>
-        <p:nvPr/>
-      </p:nvGrpSpPr>
-      <p:grpSpPr>
-        <a:xfrm>
-          <a:off x="0" y="0"/>
-          <a:ext cx="0" cy="0"/>
-          <a:chOff x="0" y="0"/>
-          <a:chExt cx="0" cy="0"/>
-        </a:xfrm>
-      </p:grpSpPr>
-      <p:pic>
-        <p:nvPicPr>
-          <p:cNvPr id="8" name="Picture 7">
-            <a:extLst>
-              <a:ext uri="{FF2B5EF4-FFF2-40B4-BE49-F238E27FC236}">
-                <a16:creationId xmlns:a16="http://schemas.microsoft.com/office/drawing/2014/main" id="{42BB0B76-B376-B645-9284-6A15398C85B0}"/>
+          <p:cNvPr id="12" name="Picture 11">
+            <a:extLst>
+              <a:ext uri="{FF2B5EF4-FFF2-40B4-BE49-F238E27FC236}">
+                <a16:creationId xmlns:a16="http://schemas.microsoft.com/office/drawing/2014/main" id="{29A90A90-90A7-8C46-AB39-D3EC74E06D30}"/>
               </a:ext>
             </a:extLst>
           </p:cNvPr>
@@ -3689,7 +3658,7 @@
         <p:spPr>
           <a:xfrm>
             <a:off x="0" y="0"/>
-            <a:ext cx="11734800" cy="3606800"/>
+            <a:ext cx="12192000" cy="2784593"/>
           </a:xfrm>
           <a:prstGeom prst="rect">
             <a:avLst/>
@@ -3698,10 +3667,10 @@
       </p:pic>
       <p:pic>
         <p:nvPicPr>
-          <p:cNvPr id="10" name="Picture 9">
-            <a:extLst>
-              <a:ext uri="{FF2B5EF4-FFF2-40B4-BE49-F238E27FC236}">
-                <a16:creationId xmlns:a16="http://schemas.microsoft.com/office/drawing/2014/main" id="{3FE8948C-1370-5F40-8A79-1D3C71C71AFF}"/>
+          <p:cNvPr id="14" name="Picture 13">
+            <a:extLst>
+              <a:ext uri="{FF2B5EF4-FFF2-40B4-BE49-F238E27FC236}">
+                <a16:creationId xmlns:a16="http://schemas.microsoft.com/office/drawing/2014/main" id="{041AC7C5-0885-C74F-A4C3-5F46CADD2DBB}"/>
               </a:ext>
             </a:extLst>
           </p:cNvPr>
@@ -3718,8 +3687,8 @@
         </p:blipFill>
         <p:spPr>
           <a:xfrm>
-            <a:off x="0" y="3812062"/>
-            <a:ext cx="12192000" cy="2180275"/>
+            <a:off x="0" y="3161638"/>
+            <a:ext cx="12192000" cy="1823540"/>
           </a:xfrm>
           <a:prstGeom prst="rect">
             <a:avLst/>
@@ -3739,7 +3708,7 @@
 </p:sld>
 </file>
 
-<file path=ppt/slides/slide13.xml><?xml version="1.0" encoding="utf-8"?>
+<file path=ppt/slides/slide11.xml><?xml version="1.0" encoding="utf-8"?>
 <p:sld xmlns:a="http://schemas.openxmlformats.org/drawingml/2006/main" xmlns:r="http://schemas.openxmlformats.org/officeDocument/2006/relationships" xmlns:p="http://schemas.openxmlformats.org/presentationml/2006/main">
   <p:cSld>
     <p:spTree>
@@ -3857,6 +3826,180 @@
 </p:sld>
 </file>
 
+<file path=ppt/slides/slide12.xml><?xml version="1.0" encoding="utf-8"?>
+<p:sld xmlns:a="http://schemas.openxmlformats.org/drawingml/2006/main" xmlns:r="http://schemas.openxmlformats.org/officeDocument/2006/relationships" xmlns:p="http://schemas.openxmlformats.org/presentationml/2006/main">
+  <p:cSld>
+    <p:spTree>
+      <p:nvGrpSpPr>
+        <p:cNvPr id="1" name=""/>
+        <p:cNvGrpSpPr/>
+        <p:nvPr/>
+      </p:nvGrpSpPr>
+      <p:grpSpPr>
+        <a:xfrm>
+          <a:off x="0" y="0"/>
+          <a:ext cx="0" cy="0"/>
+          <a:chOff x="0" y="0"/>
+          <a:chExt cx="0" cy="0"/>
+        </a:xfrm>
+      </p:grpSpPr>
+      <p:sp>
+        <p:nvSpPr>
+          <p:cNvPr id="2" name="Title 1">
+            <a:extLst>
+              <a:ext uri="{FF2B5EF4-FFF2-40B4-BE49-F238E27FC236}">
+                <a16:creationId xmlns:a16="http://schemas.microsoft.com/office/drawing/2014/main" id="{7E8394EB-D7F1-1D4B-8EC5-5F139554FAED}"/>
+              </a:ext>
+            </a:extLst>
+          </p:cNvPr>
+          <p:cNvSpPr>
+            <a:spLocks noGrp="1"/>
+          </p:cNvSpPr>
+          <p:nvPr>
+            <p:ph type="ctrTitle"/>
+          </p:nvPr>
+        </p:nvSpPr>
+        <p:spPr/>
+        <p:txBody>
+          <a:bodyPr/>
+          <a:lstStyle/>
+          <a:p>
+            <a:r>
+              <a:rPr lang="nb-NO" dirty="0" err="1"/>
+              <a:t>Structs</a:t>
+            </a:r>
+            <a:endParaRPr lang="nb-NO" dirty="0"/>
+          </a:p>
+        </p:txBody>
+      </p:sp>
+      <p:sp>
+        <p:nvSpPr>
+          <p:cNvPr id="3" name="Subtitle 2">
+            <a:extLst>
+              <a:ext uri="{FF2B5EF4-FFF2-40B4-BE49-F238E27FC236}">
+                <a16:creationId xmlns:a16="http://schemas.microsoft.com/office/drawing/2014/main" id="{6202D036-97B9-BE42-BAF3-ADE188E0C5B8}"/>
+              </a:ext>
+            </a:extLst>
+          </p:cNvPr>
+          <p:cNvSpPr>
+            <a:spLocks noGrp="1"/>
+          </p:cNvSpPr>
+          <p:nvPr>
+            <p:ph type="subTitle" idx="1"/>
+          </p:nvPr>
+        </p:nvSpPr>
+        <p:spPr/>
+        <p:txBody>
+          <a:bodyPr/>
+          <a:lstStyle/>
+          <a:p>
+            <a:endParaRPr lang="nb-NO"/>
+          </a:p>
+        </p:txBody>
+      </p:sp>
+    </p:spTree>
+    <p:extLst>
+      <p:ext uri="{BB962C8B-B14F-4D97-AF65-F5344CB8AC3E}">
+        <p14:creationId xmlns:p14="http://schemas.microsoft.com/office/powerpoint/2010/main" val="341663705"/>
+      </p:ext>
+    </p:extLst>
+  </p:cSld>
+  <p:clrMapOvr>
+    <a:masterClrMapping/>
+  </p:clrMapOvr>
+</p:sld>
+</file>
+
+<file path=ppt/slides/slide13.xml><?xml version="1.0" encoding="utf-8"?>
+<p:sld xmlns:a="http://schemas.openxmlformats.org/drawingml/2006/main" xmlns:r="http://schemas.openxmlformats.org/officeDocument/2006/relationships" xmlns:p="http://schemas.openxmlformats.org/presentationml/2006/main">
+  <p:cSld>
+    <p:spTree>
+      <p:nvGrpSpPr>
+        <p:cNvPr id="1" name=""/>
+        <p:cNvGrpSpPr/>
+        <p:nvPr/>
+      </p:nvGrpSpPr>
+      <p:grpSpPr>
+        <a:xfrm>
+          <a:off x="0" y="0"/>
+          <a:ext cx="0" cy="0"/>
+          <a:chOff x="0" y="0"/>
+          <a:chExt cx="0" cy="0"/>
+        </a:xfrm>
+      </p:grpSpPr>
+      <p:pic>
+        <p:nvPicPr>
+          <p:cNvPr id="19" name="Picture 18">
+            <a:extLst>
+              <a:ext uri="{FF2B5EF4-FFF2-40B4-BE49-F238E27FC236}">
+                <a16:creationId xmlns:a16="http://schemas.microsoft.com/office/drawing/2014/main" id="{911B4C70-78BD-2A41-9AC0-7E865C46A468}"/>
+              </a:ext>
+            </a:extLst>
+          </p:cNvPr>
+          <p:cNvPicPr>
+            <a:picLocks noChangeAspect="1"/>
+          </p:cNvPicPr>
+          <p:nvPr/>
+        </p:nvPicPr>
+        <p:blipFill>
+          <a:blip r:embed="rId2"/>
+          <a:stretch>
+            <a:fillRect/>
+          </a:stretch>
+        </p:blipFill>
+        <p:spPr>
+          <a:xfrm>
+            <a:off x="0" y="5221759"/>
+            <a:ext cx="12192000" cy="1394941"/>
+          </a:xfrm>
+          <a:prstGeom prst="rect">
+            <a:avLst/>
+          </a:prstGeom>
+        </p:spPr>
+      </p:pic>
+      <p:pic>
+        <p:nvPicPr>
+          <p:cNvPr id="23" name="Picture 22">
+            <a:extLst>
+              <a:ext uri="{FF2B5EF4-FFF2-40B4-BE49-F238E27FC236}">
+                <a16:creationId xmlns:a16="http://schemas.microsoft.com/office/drawing/2014/main" id="{5664830F-44B4-7345-B184-542D2772185A}"/>
+              </a:ext>
+            </a:extLst>
+          </p:cNvPr>
+          <p:cNvPicPr>
+            <a:picLocks noChangeAspect="1"/>
+          </p:cNvPicPr>
+          <p:nvPr/>
+        </p:nvPicPr>
+        <p:blipFill>
+          <a:blip r:embed="rId3"/>
+          <a:stretch>
+            <a:fillRect/>
+          </a:stretch>
+        </p:blipFill>
+        <p:spPr>
+          <a:xfrm>
+            <a:off x="228600" y="0"/>
+            <a:ext cx="11404600" cy="5003800"/>
+          </a:xfrm>
+          <a:prstGeom prst="rect">
+            <a:avLst/>
+          </a:prstGeom>
+        </p:spPr>
+      </p:pic>
+    </p:spTree>
+    <p:extLst>
+      <p:ext uri="{BB962C8B-B14F-4D97-AF65-F5344CB8AC3E}">
+        <p14:creationId xmlns:p14="http://schemas.microsoft.com/office/powerpoint/2010/main" val="2697697172"/>
+      </p:ext>
+    </p:extLst>
+  </p:cSld>
+  <p:clrMapOvr>
+    <a:masterClrMapping/>
+  </p:clrMapOvr>
+</p:sld>
+</file>
+
 <file path=ppt/slides/slide14.xml><?xml version="1.0" encoding="utf-8"?>
 <p:sld xmlns:a="http://schemas.openxmlformats.org/drawingml/2006/main" xmlns:r="http://schemas.openxmlformats.org/officeDocument/2006/relationships" xmlns:p="http://schemas.openxmlformats.org/presentationml/2006/main">
   <p:cSld>
@@ -3874,6 +4017,571 @@
           <a:chExt cx="0" cy="0"/>
         </a:xfrm>
       </p:grpSpPr>
+      <p:pic>
+        <p:nvPicPr>
+          <p:cNvPr id="19" name="Picture 18">
+            <a:extLst>
+              <a:ext uri="{FF2B5EF4-FFF2-40B4-BE49-F238E27FC236}">
+                <a16:creationId xmlns:a16="http://schemas.microsoft.com/office/drawing/2014/main" id="{911B4C70-78BD-2A41-9AC0-7E865C46A468}"/>
+              </a:ext>
+            </a:extLst>
+          </p:cNvPr>
+          <p:cNvPicPr>
+            <a:picLocks noChangeAspect="1"/>
+          </p:cNvPicPr>
+          <p:nvPr/>
+        </p:nvPicPr>
+        <p:blipFill>
+          <a:blip r:embed="rId2"/>
+          <a:stretch>
+            <a:fillRect/>
+          </a:stretch>
+        </p:blipFill>
+        <p:spPr>
+          <a:xfrm>
+            <a:off x="0" y="5221759"/>
+            <a:ext cx="12192000" cy="1394941"/>
+          </a:xfrm>
+          <a:prstGeom prst="rect">
+            <a:avLst/>
+          </a:prstGeom>
+        </p:spPr>
+      </p:pic>
+      <p:pic>
+        <p:nvPicPr>
+          <p:cNvPr id="23" name="Picture 22">
+            <a:extLst>
+              <a:ext uri="{FF2B5EF4-FFF2-40B4-BE49-F238E27FC236}">
+                <a16:creationId xmlns:a16="http://schemas.microsoft.com/office/drawing/2014/main" id="{5664830F-44B4-7345-B184-542D2772185A}"/>
+              </a:ext>
+            </a:extLst>
+          </p:cNvPr>
+          <p:cNvPicPr>
+            <a:picLocks noChangeAspect="1"/>
+          </p:cNvPicPr>
+          <p:nvPr/>
+        </p:nvPicPr>
+        <p:blipFill>
+          <a:blip r:embed="rId3"/>
+          <a:stretch>
+            <a:fillRect/>
+          </a:stretch>
+        </p:blipFill>
+        <p:spPr>
+          <a:xfrm>
+            <a:off x="228600" y="0"/>
+            <a:ext cx="11404600" cy="5003800"/>
+          </a:xfrm>
+          <a:prstGeom prst="rect">
+            <a:avLst/>
+          </a:prstGeom>
+        </p:spPr>
+      </p:pic>
+      <mc:AlternateContent xmlns:mc="http://schemas.openxmlformats.org/markup-compatibility/2006">
+        <mc:Choice xmlns:p14="http://schemas.microsoft.com/office/powerpoint/2010/main" Requires="p14">
+          <p:contentPart p14:bwMode="auto" r:id="rId4">
+            <p14:nvContentPartPr>
+              <p14:cNvPr id="2" name="Ink 1">
+                <a:extLst>
+                  <a:ext uri="{FF2B5EF4-FFF2-40B4-BE49-F238E27FC236}">
+                    <a16:creationId xmlns:a16="http://schemas.microsoft.com/office/drawing/2014/main" id="{51B4F895-D6B1-4549-B77F-778C2A87DA55}"/>
+                  </a:ext>
+                </a:extLst>
+              </p14:cNvPr>
+              <p14:cNvContentPartPr/>
+              <p14:nvPr/>
+            </p14:nvContentPartPr>
+            <p14:xfrm>
+              <a:off x="6869840" y="6364600"/>
+              <a:ext cx="4183560" cy="46440"/>
+            </p14:xfrm>
+          </p:contentPart>
+        </mc:Choice>
+        <mc:Fallback>
+          <p:pic>
+            <p:nvPicPr>
+              <p:cNvPr id="2" name="Ink 1">
+                <a:extLst>
+                  <a:ext uri="{FF2B5EF4-FFF2-40B4-BE49-F238E27FC236}">
+                    <a16:creationId xmlns:a16="http://schemas.microsoft.com/office/drawing/2014/main" id="{51B4F895-D6B1-4549-B77F-778C2A87DA55}"/>
+                  </a:ext>
+                </a:extLst>
+              </p:cNvPr>
+              <p:cNvPicPr/>
+              <p:nvPr/>
+            </p:nvPicPr>
+            <p:blipFill>
+              <a:blip r:embed="rId5"/>
+              <a:stretch>
+                <a:fillRect/>
+              </a:stretch>
+            </p:blipFill>
+            <p:spPr>
+              <a:xfrm>
+                <a:off x="6816200" y="6256960"/>
+                <a:ext cx="4291200" cy="262080"/>
+              </a:xfrm>
+              <a:prstGeom prst="rect">
+                <a:avLst/>
+              </a:prstGeom>
+            </p:spPr>
+          </p:pic>
+        </mc:Fallback>
+      </mc:AlternateContent>
+    </p:spTree>
+    <p:extLst>
+      <p:ext uri="{BB962C8B-B14F-4D97-AF65-F5344CB8AC3E}">
+        <p14:creationId xmlns:p14="http://schemas.microsoft.com/office/powerpoint/2010/main" val="73409235"/>
+      </p:ext>
+    </p:extLst>
+  </p:cSld>
+  <p:clrMapOvr>
+    <a:masterClrMapping/>
+  </p:clrMapOvr>
+</p:sld>
+</file>
+
+<file path=ppt/slides/slide15.xml><?xml version="1.0" encoding="utf-8"?>
+<p:sld xmlns:a="http://schemas.openxmlformats.org/drawingml/2006/main" xmlns:r="http://schemas.openxmlformats.org/officeDocument/2006/relationships" xmlns:p="http://schemas.openxmlformats.org/presentationml/2006/main">
+  <p:cSld>
+    <p:bg>
+      <p:bgPr>
+        <a:solidFill>
+          <a:schemeClr val="bg1">
+            <a:alpha val="0"/>
+          </a:schemeClr>
+        </a:solidFill>
+        <a:effectLst/>
+      </p:bgPr>
+    </p:bg>
+    <p:spTree>
+      <p:nvGrpSpPr>
+        <p:cNvPr id="1" name=""/>
+        <p:cNvGrpSpPr/>
+        <p:nvPr/>
+      </p:nvGrpSpPr>
+      <p:grpSpPr>
+        <a:xfrm>
+          <a:off x="0" y="0"/>
+          <a:ext cx="0" cy="0"/>
+          <a:chOff x="0" y="0"/>
+          <a:chExt cx="0" cy="0"/>
+        </a:xfrm>
+      </p:grpSpPr>
+      <p:pic>
+        <p:nvPicPr>
+          <p:cNvPr id="7" name="Picture 6">
+            <a:extLst>
+              <a:ext uri="{FF2B5EF4-FFF2-40B4-BE49-F238E27FC236}">
+                <a16:creationId xmlns:a16="http://schemas.microsoft.com/office/drawing/2014/main" id="{E3EF4A31-D4B5-6F45-A0CD-EE399BC96E6C}"/>
+              </a:ext>
+            </a:extLst>
+          </p:cNvPr>
+          <p:cNvPicPr>
+            <a:picLocks noChangeAspect="1"/>
+          </p:cNvPicPr>
+          <p:nvPr/>
+        </p:nvPicPr>
+        <p:blipFill>
+          <a:blip r:embed="rId2"/>
+          <a:stretch>
+            <a:fillRect/>
+          </a:stretch>
+        </p:blipFill>
+        <p:spPr>
+          <a:xfrm>
+            <a:off x="0" y="0"/>
+            <a:ext cx="12192000" cy="5425380"/>
+          </a:xfrm>
+          <a:prstGeom prst="rect">
+            <a:avLst/>
+          </a:prstGeom>
+        </p:spPr>
+      </p:pic>
+      <p:pic>
+        <p:nvPicPr>
+          <p:cNvPr id="9" name="Picture 8">
+            <a:extLst>
+              <a:ext uri="{FF2B5EF4-FFF2-40B4-BE49-F238E27FC236}">
+                <a16:creationId xmlns:a16="http://schemas.microsoft.com/office/drawing/2014/main" id="{804E4967-3C3F-CC40-850F-BCFE5560E56F}"/>
+              </a:ext>
+            </a:extLst>
+          </p:cNvPr>
+          <p:cNvPicPr>
+            <a:picLocks noChangeAspect="1"/>
+          </p:cNvPicPr>
+          <p:nvPr/>
+        </p:nvPicPr>
+        <p:blipFill>
+          <a:blip r:embed="rId3"/>
+          <a:stretch>
+            <a:fillRect/>
+          </a:stretch>
+        </p:blipFill>
+        <p:spPr>
+          <a:xfrm>
+            <a:off x="0" y="5634145"/>
+            <a:ext cx="12192000" cy="695110"/>
+          </a:xfrm>
+          <a:prstGeom prst="rect">
+            <a:avLst/>
+          </a:prstGeom>
+        </p:spPr>
+      </p:pic>
+      <mc:AlternateContent xmlns:mc="http://schemas.openxmlformats.org/markup-compatibility/2006">
+        <mc:Choice xmlns:p14="http://schemas.microsoft.com/office/powerpoint/2010/main" Requires="p14">
+          <p:contentPart p14:bwMode="auto" r:id="rId4">
+            <p14:nvContentPartPr>
+              <p14:cNvPr id="23" name="Ink 22">
+                <a:extLst>
+                  <a:ext uri="{FF2B5EF4-FFF2-40B4-BE49-F238E27FC236}">
+                    <a16:creationId xmlns:a16="http://schemas.microsoft.com/office/drawing/2014/main" id="{6AF8A6BD-8A46-344E-B425-ECCB3710344D}"/>
+                  </a:ext>
+                </a:extLst>
+              </p14:cNvPr>
+              <p14:cNvContentPartPr/>
+              <p14:nvPr/>
+            </p14:nvContentPartPr>
+            <p14:xfrm>
+              <a:off x="2878160" y="1211920"/>
+              <a:ext cx="896400" cy="32760"/>
+            </p14:xfrm>
+          </p:contentPart>
+        </mc:Choice>
+        <mc:Fallback>
+          <p:pic>
+            <p:nvPicPr>
+              <p:cNvPr id="23" name="Ink 22">
+                <a:extLst>
+                  <a:ext uri="{FF2B5EF4-FFF2-40B4-BE49-F238E27FC236}">
+                    <a16:creationId xmlns:a16="http://schemas.microsoft.com/office/drawing/2014/main" id="{6AF8A6BD-8A46-344E-B425-ECCB3710344D}"/>
+                  </a:ext>
+                </a:extLst>
+              </p:cNvPr>
+              <p:cNvPicPr/>
+              <p:nvPr/>
+            </p:nvPicPr>
+            <p:blipFill>
+              <a:blip r:embed="rId5"/>
+              <a:stretch>
+                <a:fillRect/>
+              </a:stretch>
+            </p:blipFill>
+            <p:spPr>
+              <a:xfrm>
+                <a:off x="2824160" y="1104280"/>
+                <a:ext cx="1004040" cy="248400"/>
+              </a:xfrm>
+              <a:prstGeom prst="rect">
+                <a:avLst/>
+              </a:prstGeom>
+            </p:spPr>
+          </p:pic>
+        </mc:Fallback>
+      </mc:AlternateContent>
+      <mc:AlternateContent xmlns:mc="http://schemas.openxmlformats.org/markup-compatibility/2006">
+        <mc:Choice xmlns:p14="http://schemas.microsoft.com/office/powerpoint/2010/main" Requires="p14">
+          <p:contentPart p14:bwMode="auto" r:id="rId6">
+            <p14:nvContentPartPr>
+              <p14:cNvPr id="24" name="Ink 23">
+                <a:extLst>
+                  <a:ext uri="{FF2B5EF4-FFF2-40B4-BE49-F238E27FC236}">
+                    <a16:creationId xmlns:a16="http://schemas.microsoft.com/office/drawing/2014/main" id="{E59537AA-1ED1-854E-B463-673DF55B957C}"/>
+                  </a:ext>
+                </a:extLst>
+              </p14:cNvPr>
+              <p14:cNvContentPartPr/>
+              <p14:nvPr/>
+            </p14:nvContentPartPr>
+            <p14:xfrm>
+              <a:off x="2329880" y="4943680"/>
+              <a:ext cx="564480" cy="12960"/>
+            </p14:xfrm>
+          </p:contentPart>
+        </mc:Choice>
+        <mc:Fallback>
+          <p:pic>
+            <p:nvPicPr>
+              <p:cNvPr id="24" name="Ink 23">
+                <a:extLst>
+                  <a:ext uri="{FF2B5EF4-FFF2-40B4-BE49-F238E27FC236}">
+                    <a16:creationId xmlns:a16="http://schemas.microsoft.com/office/drawing/2014/main" id="{E59537AA-1ED1-854E-B463-673DF55B957C}"/>
+                  </a:ext>
+                </a:extLst>
+              </p:cNvPr>
+              <p:cNvPicPr/>
+              <p:nvPr/>
+            </p:nvPicPr>
+            <p:blipFill>
+              <a:blip r:embed="rId7"/>
+              <a:stretch>
+                <a:fillRect/>
+              </a:stretch>
+            </p:blipFill>
+            <p:spPr>
+              <a:xfrm>
+                <a:off x="2275880" y="4836040"/>
+                <a:ext cx="672120" cy="228600"/>
+              </a:xfrm>
+              <a:prstGeom prst="rect">
+                <a:avLst/>
+              </a:prstGeom>
+            </p:spPr>
+          </p:pic>
+        </mc:Fallback>
+      </mc:AlternateContent>
+    </p:spTree>
+    <p:extLst>
+      <p:ext uri="{BB962C8B-B14F-4D97-AF65-F5344CB8AC3E}">
+        <p14:creationId xmlns:p14="http://schemas.microsoft.com/office/powerpoint/2010/main" val="4113337985"/>
+      </p:ext>
+    </p:extLst>
+  </p:cSld>
+  <p:clrMapOvr>
+    <a:masterClrMapping/>
+  </p:clrMapOvr>
+</p:sld>
+</file>
+
+<file path=ppt/slides/slide16.xml><?xml version="1.0" encoding="utf-8"?>
+<p:sld xmlns:a="http://schemas.openxmlformats.org/drawingml/2006/main" xmlns:r="http://schemas.openxmlformats.org/officeDocument/2006/relationships" xmlns:p="http://schemas.openxmlformats.org/presentationml/2006/main">
+  <p:cSld>
+    <p:spTree>
+      <p:nvGrpSpPr>
+        <p:cNvPr id="1" name=""/>
+        <p:cNvGrpSpPr/>
+        <p:nvPr/>
+      </p:nvGrpSpPr>
+      <p:grpSpPr>
+        <a:xfrm>
+          <a:off x="0" y="0"/>
+          <a:ext cx="0" cy="0"/>
+          <a:chOff x="0" y="0"/>
+          <a:chExt cx="0" cy="0"/>
+        </a:xfrm>
+      </p:grpSpPr>
+      <p:pic>
+        <p:nvPicPr>
+          <p:cNvPr id="6" name="Picture 5">
+            <a:extLst>
+              <a:ext uri="{FF2B5EF4-FFF2-40B4-BE49-F238E27FC236}">
+                <a16:creationId xmlns:a16="http://schemas.microsoft.com/office/drawing/2014/main" id="{C8414684-22E4-8B47-8BBE-E4A7E39886D1}"/>
+              </a:ext>
+            </a:extLst>
+          </p:cNvPr>
+          <p:cNvPicPr>
+            <a:picLocks noChangeAspect="1"/>
+          </p:cNvPicPr>
+          <p:nvPr/>
+        </p:nvPicPr>
+        <p:blipFill>
+          <a:blip r:embed="rId2"/>
+          <a:stretch>
+            <a:fillRect/>
+          </a:stretch>
+        </p:blipFill>
+        <p:spPr>
+          <a:xfrm>
+            <a:off x="0" y="0"/>
+            <a:ext cx="12192000" cy="6858000"/>
+          </a:xfrm>
+          <a:prstGeom prst="rect">
+            <a:avLst/>
+          </a:prstGeom>
+        </p:spPr>
+      </p:pic>
+      <p:pic>
+        <p:nvPicPr>
+          <p:cNvPr id="8" name="Picture 7">
+            <a:extLst>
+              <a:ext uri="{FF2B5EF4-FFF2-40B4-BE49-F238E27FC236}">
+                <a16:creationId xmlns:a16="http://schemas.microsoft.com/office/drawing/2014/main" id="{6A287AD5-349C-E04E-8559-A45320E2E8FF}"/>
+              </a:ext>
+            </a:extLst>
+          </p:cNvPr>
+          <p:cNvPicPr>
+            <a:picLocks noChangeAspect="1"/>
+          </p:cNvPicPr>
+          <p:nvPr/>
+        </p:nvPicPr>
+        <p:blipFill>
+          <a:blip r:embed="rId3"/>
+          <a:stretch>
+            <a:fillRect/>
+          </a:stretch>
+        </p:blipFill>
+        <p:spPr>
+          <a:xfrm>
+            <a:off x="0" y="0"/>
+            <a:ext cx="12192000" cy="5085676"/>
+          </a:xfrm>
+          <a:prstGeom prst="rect">
+            <a:avLst/>
+          </a:prstGeom>
+        </p:spPr>
+      </p:pic>
+      <p:pic>
+        <p:nvPicPr>
+          <p:cNvPr id="10" name="Picture 9">
+            <a:extLst>
+              <a:ext uri="{FF2B5EF4-FFF2-40B4-BE49-F238E27FC236}">
+                <a16:creationId xmlns:a16="http://schemas.microsoft.com/office/drawing/2014/main" id="{B576C683-12C9-8847-8E49-26FF2A1A6186}"/>
+              </a:ext>
+            </a:extLst>
+          </p:cNvPr>
+          <p:cNvPicPr>
+            <a:picLocks noChangeAspect="1"/>
+          </p:cNvPicPr>
+          <p:nvPr/>
+        </p:nvPicPr>
+        <p:blipFill>
+          <a:blip r:embed="rId4"/>
+          <a:stretch>
+            <a:fillRect/>
+          </a:stretch>
+        </p:blipFill>
+        <p:spPr>
+          <a:xfrm>
+            <a:off x="12700" y="5299754"/>
+            <a:ext cx="12192000" cy="672083"/>
+          </a:xfrm>
+          <a:prstGeom prst="rect">
+            <a:avLst/>
+          </a:prstGeom>
+        </p:spPr>
+      </p:pic>
+      <mc:AlternateContent xmlns:mc="http://schemas.openxmlformats.org/markup-compatibility/2006">
+        <mc:Choice xmlns:p14="http://schemas.microsoft.com/office/powerpoint/2010/main" Requires="p14">
+          <p:contentPart p14:bwMode="auto" r:id="rId5">
+            <p14:nvContentPartPr>
+              <p14:cNvPr id="11" name="Ink 10">
+                <a:extLst>
+                  <a:ext uri="{FF2B5EF4-FFF2-40B4-BE49-F238E27FC236}">
+                    <a16:creationId xmlns:a16="http://schemas.microsoft.com/office/drawing/2014/main" id="{5F5FF061-651E-BC4B-8AC8-BA108FB3D13A}"/>
+                  </a:ext>
+                </a:extLst>
+              </p14:cNvPr>
+              <p14:cNvContentPartPr/>
+              <p14:nvPr/>
+            </p14:nvContentPartPr>
+            <p14:xfrm>
+              <a:off x="2144480" y="4589800"/>
+              <a:ext cx="993600" cy="6840"/>
+            </p14:xfrm>
+          </p:contentPart>
+        </mc:Choice>
+        <mc:Fallback>
+          <p:pic>
+            <p:nvPicPr>
+              <p:cNvPr id="11" name="Ink 10">
+                <a:extLst>
+                  <a:ext uri="{FF2B5EF4-FFF2-40B4-BE49-F238E27FC236}">
+                    <a16:creationId xmlns:a16="http://schemas.microsoft.com/office/drawing/2014/main" id="{5F5FF061-651E-BC4B-8AC8-BA108FB3D13A}"/>
+                  </a:ext>
+                </a:extLst>
+              </p:cNvPr>
+              <p:cNvPicPr/>
+              <p:nvPr/>
+            </p:nvPicPr>
+            <p:blipFill>
+              <a:blip r:embed="rId6"/>
+              <a:stretch>
+                <a:fillRect/>
+              </a:stretch>
+            </p:blipFill>
+            <p:spPr>
+              <a:xfrm>
+                <a:off x="2090480" y="4482160"/>
+                <a:ext cx="1101240" cy="222480"/>
+              </a:xfrm>
+              <a:prstGeom prst="rect">
+                <a:avLst/>
+              </a:prstGeom>
+            </p:spPr>
+          </p:pic>
+        </mc:Fallback>
+      </mc:AlternateContent>
+      <mc:AlternateContent xmlns:mc="http://schemas.openxmlformats.org/markup-compatibility/2006">
+        <mc:Choice xmlns:p14="http://schemas.microsoft.com/office/powerpoint/2010/main" Requires="p14">
+          <p:contentPart p14:bwMode="auto" r:id="rId7">
+            <p14:nvContentPartPr>
+              <p14:cNvPr id="13" name="Ink 12">
+                <a:extLst>
+                  <a:ext uri="{FF2B5EF4-FFF2-40B4-BE49-F238E27FC236}">
+                    <a16:creationId xmlns:a16="http://schemas.microsoft.com/office/drawing/2014/main" id="{03E58AB0-9C04-F844-B558-04A563E9391E}"/>
+                  </a:ext>
+                </a:extLst>
+              </p14:cNvPr>
+              <p14:cNvContentPartPr/>
+              <p14:nvPr/>
+            </p14:nvContentPartPr>
+            <p14:xfrm>
+              <a:off x="2941520" y="1106080"/>
+              <a:ext cx="1032480" cy="37080"/>
+            </p14:xfrm>
+          </p:contentPart>
+        </mc:Choice>
+        <mc:Fallback>
+          <p:pic>
+            <p:nvPicPr>
+              <p:cNvPr id="13" name="Ink 12">
+                <a:extLst>
+                  <a:ext uri="{FF2B5EF4-FFF2-40B4-BE49-F238E27FC236}">
+                    <a16:creationId xmlns:a16="http://schemas.microsoft.com/office/drawing/2014/main" id="{03E58AB0-9C04-F844-B558-04A563E9391E}"/>
+                  </a:ext>
+                </a:extLst>
+              </p:cNvPr>
+              <p:cNvPicPr/>
+              <p:nvPr/>
+            </p:nvPicPr>
+            <p:blipFill>
+              <a:blip r:embed="rId8"/>
+              <a:stretch>
+                <a:fillRect/>
+              </a:stretch>
+            </p:blipFill>
+            <p:spPr>
+              <a:xfrm>
+                <a:off x="2887520" y="998440"/>
+                <a:ext cx="1140120" cy="252720"/>
+              </a:xfrm>
+              <a:prstGeom prst="rect">
+                <a:avLst/>
+              </a:prstGeom>
+            </p:spPr>
+          </p:pic>
+        </mc:Fallback>
+      </mc:AlternateContent>
+    </p:spTree>
+    <p:extLst>
+      <p:ext uri="{BB962C8B-B14F-4D97-AF65-F5344CB8AC3E}">
+        <p14:creationId xmlns:p14="http://schemas.microsoft.com/office/powerpoint/2010/main" val="266135926"/>
+      </p:ext>
+    </p:extLst>
+  </p:cSld>
+  <p:clrMapOvr>
+    <a:masterClrMapping/>
+  </p:clrMapOvr>
+</p:sld>
+</file>
+
+<file path=ppt/slides/slide17.xml><?xml version="1.0" encoding="utf-8"?>
+<p:sld xmlns:a="http://schemas.openxmlformats.org/drawingml/2006/main" xmlns:r="http://schemas.openxmlformats.org/officeDocument/2006/relationships" xmlns:p="http://schemas.openxmlformats.org/presentationml/2006/main">
+  <p:cSld>
+    <p:spTree>
+      <p:nvGrpSpPr>
+        <p:cNvPr id="1" name=""/>
+        <p:cNvGrpSpPr/>
+        <p:nvPr/>
+      </p:nvGrpSpPr>
+      <p:grpSpPr>
+        <a:xfrm>
+          <a:off x="0" y="0"/>
+          <a:ext cx="0" cy="0"/>
+          <a:chOff x="0" y="0"/>
+          <a:chExt cx="0" cy="0"/>
+        </a:xfrm>
+      </p:grpSpPr>
       <p:sp>
         <p:nvSpPr>
           <p:cNvPr id="2" name="Title 1">
@@ -3905,7 +4613,15 @@
             </a:r>
             <a:r>
               <a:rPr lang="nb-NO" dirty="0"/>
-              <a:t>. AKA »I hate </a:t>
+              <a:t>. </a:t>
+            </a:r>
+            <a:r>
+              <a:rPr lang="nb-NO" dirty="0" err="1"/>
+              <a:t>aka</a:t>
+            </a:r>
+            <a:r>
+              <a:rPr lang="nb-NO" dirty="0"/>
+              <a:t> »I hate my </a:t>
             </a:r>
             <a:r>
               <a:rPr lang="nb-NO" dirty="0" err="1"/>
@@ -3917,7 +4633,7 @@
             </a:r>
             <a:r>
               <a:rPr lang="nb-NO" dirty="0" err="1"/>
-              <a:t>myself</a:t>
+              <a:t>self</a:t>
             </a:r>
             <a:r>
               <a:rPr lang="nb-NO" dirty="0"/>
@@ -3999,7 +4715,7 @@
 </p:sld>
 </file>
 
-<file path=ppt/slides/slide15.xml><?xml version="1.0" encoding="utf-8"?>
+<file path=ppt/slides/slide18.xml><?xml version="1.0" encoding="utf-8"?>
 <p:sld xmlns:a="http://schemas.openxmlformats.org/drawingml/2006/main" xmlns:r="http://schemas.openxmlformats.org/officeDocument/2006/relationships" xmlns:p="http://schemas.openxmlformats.org/presentationml/2006/main">
   <p:cSld>
     <p:spTree>
@@ -4038,17 +4754,10 @@
           <a:lstStyle/>
           <a:p>
             <a:r>
-              <a:rPr lang="nb-NO" dirty="0"/>
-              <a:t>«The Go </a:t>
-            </a:r>
-            <a:r>
               <a:rPr lang="nb-NO" dirty="0" err="1"/>
-              <a:t>thing</a:t>
-            </a:r>
-            <a:r>
-              <a:rPr lang="nb-NO" dirty="0"/>
-              <a:t>»</a:t>
-            </a:r>
+              <a:t>Implementation</a:t>
+            </a:r>
+            <a:endParaRPr lang="nb-NO" dirty="0"/>
           </a:p>
         </p:txBody>
       </p:sp>
@@ -5134,7 +5843,7 @@
           <a:p>
             <a:r>
               <a:rPr lang="nb-NO" dirty="0" err="1"/>
-              <a:t>Structs</a:t>
+              <a:t>Numbers</a:t>
             </a:r>
             <a:endParaRPr lang="nb-NO" dirty="0"/>
           </a:p>
@@ -5168,7 +5877,7 @@
     </p:spTree>
     <p:extLst>
       <p:ext uri="{BB962C8B-B14F-4D97-AF65-F5344CB8AC3E}">
-        <p14:creationId xmlns:p14="http://schemas.microsoft.com/office/powerpoint/2010/main" val="341663705"/>
+        <p14:creationId xmlns:p14="http://schemas.microsoft.com/office/powerpoint/2010/main" val="1767563936"/>
       </p:ext>
     </p:extLst>
   </p:cSld>
